--- a/presentation-dsls-by-example.pptx
+++ b/presentation-dsls-by-example.pptx
@@ -5,7 +5,7 @@
     <p:sldMasterId id="2147483768" r:id="rId1"/>
   </p:sldMasterIdLst>
   <p:notesMasterIdLst>
-    <p:notesMasterId r:id="rId62"/>
+    <p:notesMasterId r:id="rId56"/>
   </p:notesMasterIdLst>
   <p:sldIdLst>
     <p:sldId id="256" r:id="rId2"/>
@@ -62,12 +62,6 @@
     <p:sldId id="301" r:id="rId53"/>
     <p:sldId id="302" r:id="rId54"/>
     <p:sldId id="296" r:id="rId55"/>
-    <p:sldId id="298" r:id="rId56"/>
-    <p:sldId id="282" r:id="rId57"/>
-    <p:sldId id="260" r:id="rId58"/>
-    <p:sldId id="259" r:id="rId59"/>
-    <p:sldId id="261" r:id="rId60"/>
-    <p:sldId id="258" r:id="rId61"/>
   </p:sldIdLst>
   <p:sldSz cx="9144000" cy="6858000" type="screen4x3"/>
   <p:notesSz cx="6858000" cy="9144000"/>
@@ -252,7 +246,7 @@
             <a:fld id="{8F3BA4E0-4173-49C1-AEEB-B3FE05E5EF61}" type="datetimeFigureOut">
               <a:rPr lang="es-ES_tradnl" smtClean="0"/>
               <a:pPr/>
-              <a:t>20/05/2016</a:t>
+              <a:t>21/05/2016</a:t>
             </a:fld>
             <a:endParaRPr lang="es-ES_tradnl"/>
           </a:p>
@@ -945,88 +939,6 @@
 </p:notes>
 </file>
 
-<file path=ppt/notesSlides/notesSlide11.xml><?xml version="1.0" encoding="utf-8"?>
-<p:notes xmlns:a="http://schemas.openxmlformats.org/drawingml/2006/main" xmlns:r="http://schemas.openxmlformats.org/officeDocument/2006/relationships" xmlns:p="http://schemas.openxmlformats.org/presentationml/2006/main">
-  <p:cSld>
-    <p:spTree>
-      <p:nvGrpSpPr>
-        <p:cNvPr id="1" name=""/>
-        <p:cNvGrpSpPr/>
-        <p:nvPr/>
-      </p:nvGrpSpPr>
-      <p:grpSpPr>
-        <a:xfrm>
-          <a:off x="0" y="0"/>
-          <a:ext cx="0" cy="0"/>
-          <a:chOff x="0" y="0"/>
-          <a:chExt cx="0" cy="0"/>
-        </a:xfrm>
-      </p:grpSpPr>
-      <p:sp>
-        <p:nvSpPr>
-          <p:cNvPr id="2" name="1 Marcador de imagen de diapositiva"/>
-          <p:cNvSpPr>
-            <a:spLocks noGrp="1" noRot="1" noChangeAspect="1"/>
-          </p:cNvSpPr>
-          <p:nvPr>
-            <p:ph type="sldImg"/>
-          </p:nvPr>
-        </p:nvSpPr>
-        <p:spPr/>
-      </p:sp>
-      <p:sp>
-        <p:nvSpPr>
-          <p:cNvPr id="3" name="2 Marcador de notas"/>
-          <p:cNvSpPr>
-            <a:spLocks noGrp="1"/>
-          </p:cNvSpPr>
-          <p:nvPr>
-            <p:ph type="body" idx="1"/>
-          </p:nvPr>
-        </p:nvSpPr>
-        <p:spPr/>
-        <p:txBody>
-          <a:bodyPr>
-            <a:normAutofit/>
-          </a:bodyPr>
-          <a:lstStyle/>
-          <a:p>
-            <a:endParaRPr lang="es-ES_tradnl" dirty="0"/>
-          </a:p>
-        </p:txBody>
-      </p:sp>
-      <p:sp>
-        <p:nvSpPr>
-          <p:cNvPr id="4" name="3 Marcador de número de diapositiva"/>
-          <p:cNvSpPr>
-            <a:spLocks noGrp="1"/>
-          </p:cNvSpPr>
-          <p:nvPr>
-            <p:ph type="sldNum" sz="quarter" idx="10"/>
-          </p:nvPr>
-        </p:nvSpPr>
-        <p:spPr/>
-        <p:txBody>
-          <a:bodyPr/>
-          <a:lstStyle/>
-          <a:p>
-            <a:fld id="{9F534EF9-0BCB-48E8-9452-A582B5FF3A1D}" type="slidenum">
-              <a:rPr lang="es-ES_tradnl" smtClean="0"/>
-              <a:pPr/>
-              <a:t>59</a:t>
-            </a:fld>
-            <a:endParaRPr lang="es-ES_tradnl"/>
-          </a:p>
-        </p:txBody>
-      </p:sp>
-    </p:spTree>
-  </p:cSld>
-  <p:clrMapOvr>
-    <a:masterClrMapping/>
-  </p:clrMapOvr>
-</p:notes>
-</file>
-
 <file path=ppt/notesSlides/notesSlide2.xml><?xml version="1.0" encoding="utf-8"?>
 <p:notes xmlns:a="http://schemas.openxmlformats.org/drawingml/2006/main" xmlns:r="http://schemas.openxmlformats.org/officeDocument/2006/relationships" xmlns:p="http://schemas.openxmlformats.org/presentationml/2006/main">
   <p:cSld>
@@ -2706,7 +2618,7 @@
             <a:fld id="{7A847CFC-816F-41D0-AAC0-9BF4FEBC753E}" type="datetimeFigureOut">
               <a:rPr lang="es-ES" smtClean="0"/>
               <a:pPr/>
-              <a:t>20/05/2016</a:t>
+              <a:t>21/05/2016</a:t>
             </a:fld>
             <a:endParaRPr lang="es-ES"/>
           </a:p>
@@ -2873,7 +2785,7 @@
             <a:fld id="{7A847CFC-816F-41D0-AAC0-9BF4FEBC753E}" type="datetimeFigureOut">
               <a:rPr lang="es-ES" smtClean="0"/>
               <a:pPr/>
-              <a:t>20/05/2016</a:t>
+              <a:t>21/05/2016</a:t>
             </a:fld>
             <a:endParaRPr lang="es-ES"/>
           </a:p>
@@ -3050,7 +2962,7 @@
             <a:fld id="{7A847CFC-816F-41D0-AAC0-9BF4FEBC753E}" type="datetimeFigureOut">
               <a:rPr lang="es-ES" smtClean="0"/>
               <a:pPr/>
-              <a:t>20/05/2016</a:t>
+              <a:t>21/05/2016</a:t>
             </a:fld>
             <a:endParaRPr lang="es-ES"/>
           </a:p>
@@ -3217,7 +3129,7 @@
             <a:fld id="{7A847CFC-816F-41D0-AAC0-9BF4FEBC753E}" type="datetimeFigureOut">
               <a:rPr lang="es-ES" smtClean="0"/>
               <a:pPr/>
-              <a:t>20/05/2016</a:t>
+              <a:t>21/05/2016</a:t>
             </a:fld>
             <a:endParaRPr lang="es-ES"/>
           </a:p>
@@ -3460,7 +3372,7 @@
             <a:fld id="{7A847CFC-816F-41D0-AAC0-9BF4FEBC753E}" type="datetimeFigureOut">
               <a:rPr lang="es-ES" smtClean="0"/>
               <a:pPr/>
-              <a:t>20/05/2016</a:t>
+              <a:t>21/05/2016</a:t>
             </a:fld>
             <a:endParaRPr lang="es-ES"/>
           </a:p>
@@ -3745,7 +3657,7 @@
             <a:fld id="{7A847CFC-816F-41D0-AAC0-9BF4FEBC753E}" type="datetimeFigureOut">
               <a:rPr lang="es-ES" smtClean="0"/>
               <a:pPr/>
-              <a:t>20/05/2016</a:t>
+              <a:t>21/05/2016</a:t>
             </a:fld>
             <a:endParaRPr lang="es-ES"/>
           </a:p>
@@ -4164,7 +4076,7 @@
             <a:fld id="{7A847CFC-816F-41D0-AAC0-9BF4FEBC753E}" type="datetimeFigureOut">
               <a:rPr lang="es-ES" smtClean="0"/>
               <a:pPr/>
-              <a:t>20/05/2016</a:t>
+              <a:t>21/05/2016</a:t>
             </a:fld>
             <a:endParaRPr lang="es-ES"/>
           </a:p>
@@ -4279,7 +4191,7 @@
             <a:fld id="{7A847CFC-816F-41D0-AAC0-9BF4FEBC753E}" type="datetimeFigureOut">
               <a:rPr lang="es-ES" smtClean="0"/>
               <a:pPr/>
-              <a:t>20/05/2016</a:t>
+              <a:t>21/05/2016</a:t>
             </a:fld>
             <a:endParaRPr lang="es-ES"/>
           </a:p>
@@ -4371,7 +4283,7 @@
             <a:fld id="{7A847CFC-816F-41D0-AAC0-9BF4FEBC753E}" type="datetimeFigureOut">
               <a:rPr lang="es-ES" smtClean="0"/>
               <a:pPr/>
-              <a:t>20/05/2016</a:t>
+              <a:t>21/05/2016</a:t>
             </a:fld>
             <a:endParaRPr lang="es-ES"/>
           </a:p>
@@ -4645,7 +4557,7 @@
             <a:fld id="{7A847CFC-816F-41D0-AAC0-9BF4FEBC753E}" type="datetimeFigureOut">
               <a:rPr lang="es-ES" smtClean="0"/>
               <a:pPr/>
-              <a:t>20/05/2016</a:t>
+              <a:t>21/05/2016</a:t>
             </a:fld>
             <a:endParaRPr lang="es-ES"/>
           </a:p>
@@ -4895,7 +4807,7 @@
             <a:fld id="{7A847CFC-816F-41D0-AAC0-9BF4FEBC753E}" type="datetimeFigureOut">
               <a:rPr lang="es-ES" smtClean="0"/>
               <a:pPr/>
-              <a:t>20/05/2016</a:t>
+              <a:t>21/05/2016</a:t>
             </a:fld>
             <a:endParaRPr lang="es-ES"/>
           </a:p>
@@ -5105,7 +5017,7 @@
             <a:fld id="{7A847CFC-816F-41D0-AAC0-9BF4FEBC753E}" type="datetimeFigureOut">
               <a:rPr lang="es-ES" smtClean="0"/>
               <a:pPr/>
-              <a:t>20/05/2016</a:t>
+              <a:t>21/05/2016</a:t>
             </a:fld>
             <a:endParaRPr lang="es-ES"/>
           </a:p>
@@ -14684,21 +14596,12 @@
               <a:rPr lang="es-ES_tradnl" dirty="0" smtClean="0"/>
               <a:t>. </a:t>
             </a:r>
-            <a:endParaRPr lang="es-ES_tradnl" dirty="0" smtClean="0"/>
           </a:p>
           <a:p>
             <a:pPr algn="r"/>
             <a:r>
               <a:rPr lang="es-ES_tradnl" dirty="0" smtClean="0"/>
-              <a:t>Jesús </a:t>
-            </a:r>
-            <a:r>
-              <a:rPr lang="es-ES_tradnl" dirty="0" smtClean="0"/>
-              <a:t>Sánchez Cuadrado, Javier Luis Cánovas Izquierdo and Jesús García Molina.  </a:t>
-            </a:r>
-            <a:r>
-              <a:rPr lang="es-ES_tradnl" dirty="0" smtClean="0"/>
-              <a:t>SCP 2013</a:t>
+              <a:t>Jesús Sánchez Cuadrado, Javier Luis Cánovas Izquierdo and Jesús García Molina.  SCP 2013</a:t>
             </a:r>
             <a:endParaRPr lang="es-ES_tradnl" dirty="0"/>
           </a:p>
@@ -23219,751 +23122,6 @@
 </p:sld>
 </file>
 
-<file path=ppt/slides/slide55.xml><?xml version="1.0" encoding="utf-8"?>
-<p:sld xmlns:a="http://schemas.openxmlformats.org/drawingml/2006/main" xmlns:r="http://schemas.openxmlformats.org/officeDocument/2006/relationships" xmlns:p="http://schemas.openxmlformats.org/presentationml/2006/main" show="0">
-  <p:cSld>
-    <p:spTree>
-      <p:nvGrpSpPr>
-        <p:cNvPr id="1" name=""/>
-        <p:cNvGrpSpPr/>
-        <p:nvPr/>
-      </p:nvGrpSpPr>
-      <p:grpSpPr>
-        <a:xfrm>
-          <a:off x="0" y="0"/>
-          <a:ext cx="0" cy="0"/>
-          <a:chOff x="0" y="0"/>
-          <a:chExt cx="0" cy="0"/>
-        </a:xfrm>
-      </p:grpSpPr>
-      <p:sp>
-        <p:nvSpPr>
-          <p:cNvPr id="2" name="1 Título"/>
-          <p:cNvSpPr>
-            <a:spLocks noGrp="1"/>
-          </p:cNvSpPr>
-          <p:nvPr>
-            <p:ph type="title"/>
-          </p:nvPr>
-        </p:nvSpPr>
-        <p:spPr/>
-        <p:txBody>
-          <a:bodyPr/>
-          <a:lstStyle/>
-          <a:p>
-            <a:r>
-              <a:rPr lang="es-ES_tradnl" dirty="0" err="1" smtClean="0"/>
-              <a:t>Relevant</a:t>
-            </a:r>
-            <a:r>
-              <a:rPr lang="es-ES_tradnl" dirty="0" smtClean="0"/>
-              <a:t> </a:t>
-            </a:r>
-            <a:r>
-              <a:rPr lang="es-ES_tradnl" dirty="0" err="1" smtClean="0"/>
-              <a:t>people</a:t>
-            </a:r>
-            <a:endParaRPr lang="es-ES_tradnl" dirty="0"/>
-          </a:p>
-        </p:txBody>
-      </p:sp>
-      <p:sp>
-        <p:nvSpPr>
-          <p:cNvPr id="3" name="2 Marcador de contenido"/>
-          <p:cNvSpPr>
-            <a:spLocks noGrp="1"/>
-          </p:cNvSpPr>
-          <p:nvPr>
-            <p:ph idx="1"/>
-          </p:nvPr>
-        </p:nvSpPr>
-        <p:spPr/>
-        <p:txBody>
-          <a:bodyPr/>
-          <a:lstStyle/>
-          <a:p>
-            <a:r>
-              <a:rPr lang="es-ES_tradnl" dirty="0" smtClean="0"/>
-              <a:t>Martin </a:t>
-            </a:r>
-            <a:r>
-              <a:rPr lang="es-ES_tradnl" dirty="0" err="1" smtClean="0"/>
-              <a:t>Fowler</a:t>
-            </a:r>
-            <a:endParaRPr lang="es-ES_tradnl" dirty="0" smtClean="0"/>
-          </a:p>
-          <a:p>
-            <a:r>
-              <a:rPr lang="es-ES_tradnl" dirty="0" err="1" smtClean="0"/>
-              <a:t>Markus</a:t>
-            </a:r>
-            <a:r>
-              <a:rPr lang="es-ES_tradnl" dirty="0" smtClean="0"/>
-              <a:t> </a:t>
-            </a:r>
-            <a:r>
-              <a:rPr lang="es-ES_tradnl" dirty="0" err="1" smtClean="0"/>
-              <a:t>Voelter</a:t>
-            </a:r>
-            <a:endParaRPr lang="es-ES_tradnl" dirty="0" smtClean="0"/>
-          </a:p>
-          <a:p>
-            <a:r>
-              <a:rPr lang="es-ES_tradnl" dirty="0" smtClean="0"/>
-              <a:t>Me ;-)</a:t>
-            </a:r>
-          </a:p>
-          <a:p>
-            <a:endParaRPr lang="es-ES_tradnl" dirty="0" smtClean="0"/>
-          </a:p>
-          <a:p>
-            <a:endParaRPr lang="es-ES_tradnl" dirty="0" smtClean="0"/>
-          </a:p>
-          <a:p>
-            <a:endParaRPr lang="es-ES_tradnl" dirty="0"/>
-          </a:p>
-        </p:txBody>
-      </p:sp>
-    </p:spTree>
-  </p:cSld>
-  <p:clrMapOvr>
-    <a:masterClrMapping/>
-  </p:clrMapOvr>
-  <p:transition/>
-</p:sld>
-</file>
-
-<file path=ppt/slides/slide56.xml><?xml version="1.0" encoding="utf-8"?>
-<p:sld xmlns:a="http://schemas.openxmlformats.org/drawingml/2006/main" xmlns:r="http://schemas.openxmlformats.org/officeDocument/2006/relationships" xmlns:p="http://schemas.openxmlformats.org/presentationml/2006/main" show="0">
-  <p:cSld>
-    <p:spTree>
-      <p:nvGrpSpPr>
-        <p:cNvPr id="1" name=""/>
-        <p:cNvGrpSpPr/>
-        <p:nvPr/>
-      </p:nvGrpSpPr>
-      <p:grpSpPr>
-        <a:xfrm>
-          <a:off x="0" y="0"/>
-          <a:ext cx="0" cy="0"/>
-          <a:chOff x="0" y="0"/>
-          <a:chExt cx="0" cy="0"/>
-        </a:xfrm>
-      </p:grpSpPr>
-      <p:sp>
-        <p:nvSpPr>
-          <p:cNvPr id="2" name="1 Título"/>
-          <p:cNvSpPr>
-            <a:spLocks noGrp="1"/>
-          </p:cNvSpPr>
-          <p:nvPr>
-            <p:ph type="title"/>
-          </p:nvPr>
-        </p:nvSpPr>
-        <p:spPr/>
-        <p:txBody>
-          <a:bodyPr/>
-          <a:lstStyle/>
-          <a:p>
-            <a:r>
-              <a:rPr lang="es-ES_tradnl" dirty="0" err="1" smtClean="0"/>
-              <a:t>Examples</a:t>
-            </a:r>
-            <a:endParaRPr lang="es-ES_tradnl" dirty="0"/>
-          </a:p>
-        </p:txBody>
-      </p:sp>
-      <p:sp>
-        <p:nvSpPr>
-          <p:cNvPr id="3" name="2 Marcador de contenido"/>
-          <p:cNvSpPr>
-            <a:spLocks noGrp="1"/>
-          </p:cNvSpPr>
-          <p:nvPr>
-            <p:ph idx="1"/>
-          </p:nvPr>
-        </p:nvSpPr>
-        <p:spPr/>
-        <p:txBody>
-          <a:bodyPr>
-            <a:normAutofit fontScale="92500" lnSpcReduction="10000"/>
-          </a:bodyPr>
-          <a:lstStyle/>
-          <a:p>
-            <a:r>
-              <a:rPr lang="es-ES_tradnl" dirty="0" err="1" smtClean="0"/>
-              <a:t>This</a:t>
-            </a:r>
-            <a:r>
-              <a:rPr lang="es-ES_tradnl" dirty="0" smtClean="0"/>
-              <a:t> </a:t>
-            </a:r>
-            <a:r>
-              <a:rPr lang="es-ES_tradnl" dirty="0" err="1" smtClean="0"/>
-              <a:t>presentation</a:t>
-            </a:r>
-            <a:r>
-              <a:rPr lang="es-ES_tradnl" dirty="0" smtClean="0"/>
-              <a:t> </a:t>
-            </a:r>
-            <a:r>
-              <a:rPr lang="es-ES_tradnl" dirty="0" err="1" smtClean="0"/>
-              <a:t>will</a:t>
-            </a:r>
-            <a:r>
-              <a:rPr lang="es-ES_tradnl" dirty="0" smtClean="0"/>
-              <a:t> </a:t>
-            </a:r>
-            <a:r>
-              <a:rPr lang="es-ES_tradnl" dirty="0" err="1" smtClean="0"/>
-              <a:t>motivate</a:t>
-            </a:r>
-            <a:r>
-              <a:rPr lang="es-ES_tradnl" dirty="0" smtClean="0"/>
-              <a:t> and show </a:t>
-            </a:r>
-            <a:r>
-              <a:rPr lang="es-ES_tradnl" dirty="0" err="1" smtClean="0"/>
-              <a:t>several</a:t>
-            </a:r>
-            <a:r>
-              <a:rPr lang="es-ES_tradnl" dirty="0" smtClean="0"/>
-              <a:t> </a:t>
-            </a:r>
-            <a:r>
-              <a:rPr lang="es-ES_tradnl" dirty="0" err="1" smtClean="0"/>
-              <a:t>examples</a:t>
-            </a:r>
-            <a:r>
-              <a:rPr lang="es-ES_tradnl" dirty="0" smtClean="0"/>
-              <a:t> of </a:t>
-            </a:r>
-            <a:r>
-              <a:rPr lang="es-ES_tradnl" dirty="0" err="1" smtClean="0"/>
-              <a:t>DSLs</a:t>
-            </a:r>
-            <a:r>
-              <a:rPr lang="es-ES_tradnl" dirty="0" smtClean="0"/>
-              <a:t> and </a:t>
-            </a:r>
-            <a:r>
-              <a:rPr lang="es-ES_tradnl" dirty="0" err="1" smtClean="0"/>
-              <a:t>give</a:t>
-            </a:r>
-            <a:r>
-              <a:rPr lang="es-ES_tradnl" dirty="0" smtClean="0"/>
-              <a:t> </a:t>
-            </a:r>
-            <a:r>
-              <a:rPr lang="es-ES_tradnl" dirty="0" err="1" smtClean="0"/>
-              <a:t>hints</a:t>
-            </a:r>
-            <a:r>
-              <a:rPr lang="es-ES_tradnl" dirty="0" smtClean="0"/>
-              <a:t> </a:t>
-            </a:r>
-            <a:r>
-              <a:rPr lang="es-ES_tradnl" dirty="0" err="1" smtClean="0"/>
-              <a:t>about</a:t>
-            </a:r>
-            <a:r>
-              <a:rPr lang="es-ES_tradnl" dirty="0" smtClean="0"/>
-              <a:t> </a:t>
-            </a:r>
-            <a:r>
-              <a:rPr lang="es-ES_tradnl" dirty="0" err="1" smtClean="0"/>
-              <a:t>the</a:t>
-            </a:r>
-            <a:r>
-              <a:rPr lang="es-ES_tradnl" dirty="0" smtClean="0"/>
-              <a:t> </a:t>
-            </a:r>
-            <a:r>
-              <a:rPr lang="es-ES_tradnl" dirty="0" err="1" smtClean="0"/>
-              <a:t>implementation</a:t>
-            </a:r>
-            <a:endParaRPr lang="es-ES_tradnl" dirty="0" smtClean="0"/>
-          </a:p>
-          <a:p>
-            <a:pPr lvl="1"/>
-            <a:r>
-              <a:rPr lang="es-ES_tradnl" dirty="0" smtClean="0"/>
-              <a:t>Web </a:t>
-            </a:r>
-            <a:r>
-              <a:rPr lang="es-ES_tradnl" dirty="0" err="1" smtClean="0"/>
-              <a:t>tests</a:t>
-            </a:r>
-            <a:r>
-              <a:rPr lang="es-ES_tradnl" dirty="0" smtClean="0"/>
-              <a:t> – </a:t>
-            </a:r>
-            <a:r>
-              <a:rPr lang="es-ES_tradnl" dirty="0" err="1" smtClean="0"/>
-              <a:t>Ruby</a:t>
-            </a:r>
-            <a:endParaRPr lang="es-ES_tradnl" dirty="0" smtClean="0"/>
-          </a:p>
-          <a:p>
-            <a:pPr lvl="1"/>
-            <a:r>
-              <a:rPr lang="es-ES_tradnl" dirty="0" err="1" smtClean="0"/>
-              <a:t>Menus</a:t>
-            </a:r>
-            <a:r>
-              <a:rPr lang="es-ES_tradnl" dirty="0" smtClean="0"/>
-              <a:t> – </a:t>
-            </a:r>
-            <a:r>
-              <a:rPr lang="es-ES_tradnl" dirty="0" err="1" smtClean="0"/>
-              <a:t>Xtext</a:t>
-            </a:r>
-            <a:endParaRPr lang="es-ES_tradnl" dirty="0" smtClean="0"/>
-          </a:p>
-          <a:p>
-            <a:pPr lvl="2"/>
-            <a:r>
-              <a:rPr lang="es-ES_tradnl" dirty="0" smtClean="0"/>
-              <a:t>Poner video</a:t>
-            </a:r>
-          </a:p>
-          <a:p>
-            <a:pPr lvl="1"/>
-            <a:r>
-              <a:rPr lang="es-ES_tradnl" dirty="0" err="1" smtClean="0"/>
-              <a:t>Mbder</a:t>
-            </a:r>
-            <a:r>
-              <a:rPr lang="es-ES_tradnl" dirty="0" smtClean="0"/>
-              <a:t> – MPS</a:t>
-            </a:r>
-          </a:p>
-          <a:p>
-            <a:pPr lvl="1"/>
-            <a:r>
-              <a:rPr lang="es-ES_tradnl" dirty="0" err="1" smtClean="0"/>
-              <a:t>Surveys</a:t>
-            </a:r>
-            <a:endParaRPr lang="es-ES_tradnl" dirty="0" smtClean="0"/>
-          </a:p>
-          <a:p>
-            <a:pPr lvl="1"/>
-            <a:r>
-              <a:rPr lang="es-ES_tradnl" dirty="0" smtClean="0"/>
-              <a:t>Alguno grafico?</a:t>
-            </a:r>
-          </a:p>
-          <a:p>
-            <a:pPr lvl="2"/>
-            <a:r>
-              <a:rPr lang="es-ES_tradnl" smtClean="0"/>
-              <a:t>Telefonía</a:t>
-            </a:r>
-            <a:endParaRPr lang="es-ES_tradnl" dirty="0" smtClean="0"/>
-          </a:p>
-          <a:p>
-            <a:pPr lvl="1"/>
-            <a:endParaRPr lang="es-ES_tradnl" dirty="0"/>
-          </a:p>
-        </p:txBody>
-      </p:sp>
-    </p:spTree>
-  </p:cSld>
-  <p:clrMapOvr>
-    <a:masterClrMapping/>
-  </p:clrMapOvr>
-  <p:transition/>
-  <p:timing>
-    <p:tnLst>
-      <p:par>
-        <p:cTn id="1" dur="indefinite" restart="never" nodeType="tmRoot"/>
-      </p:par>
-    </p:tnLst>
-  </p:timing>
-</p:sld>
-</file>
-
-<file path=ppt/slides/slide57.xml><?xml version="1.0" encoding="utf-8"?>
-<p:sld xmlns:a="http://schemas.openxmlformats.org/drawingml/2006/main" xmlns:r="http://schemas.openxmlformats.org/officeDocument/2006/relationships" xmlns:p="http://schemas.openxmlformats.org/presentationml/2006/main" show="0">
-  <p:cSld>
-    <p:spTree>
-      <p:nvGrpSpPr>
-        <p:cNvPr id="1" name=""/>
-        <p:cNvGrpSpPr/>
-        <p:nvPr/>
-      </p:nvGrpSpPr>
-      <p:grpSpPr>
-        <a:xfrm>
-          <a:off x="0" y="0"/>
-          <a:ext cx="0" cy="0"/>
-          <a:chOff x="0" y="0"/>
-          <a:chExt cx="0" cy="0"/>
-        </a:xfrm>
-      </p:grpSpPr>
-      <p:sp>
-        <p:nvSpPr>
-          <p:cNvPr id="2" name="1 Título"/>
-          <p:cNvSpPr>
-            <a:spLocks noGrp="1"/>
-          </p:cNvSpPr>
-          <p:nvPr>
-            <p:ph type="title"/>
-          </p:nvPr>
-        </p:nvSpPr>
-        <p:spPr/>
-        <p:txBody>
-          <a:bodyPr/>
-          <a:lstStyle/>
-          <a:p>
-            <a:r>
-              <a:rPr lang="es-ES_tradnl" dirty="0" err="1" smtClean="0"/>
-              <a:t>Domain-Specific</a:t>
-            </a:r>
-            <a:r>
-              <a:rPr lang="es-ES_tradnl" dirty="0" smtClean="0"/>
-              <a:t> </a:t>
-            </a:r>
-            <a:r>
-              <a:rPr lang="es-ES_tradnl" dirty="0" err="1" smtClean="0"/>
-              <a:t>Languages</a:t>
-            </a:r>
-            <a:endParaRPr lang="es-ES_tradnl" dirty="0"/>
-          </a:p>
-        </p:txBody>
-      </p:sp>
-      <p:sp>
-        <p:nvSpPr>
-          <p:cNvPr id="3" name="2 Marcador de contenido"/>
-          <p:cNvSpPr>
-            <a:spLocks noGrp="1"/>
-          </p:cNvSpPr>
-          <p:nvPr>
-            <p:ph idx="1"/>
-          </p:nvPr>
-        </p:nvSpPr>
-        <p:spPr/>
-        <p:txBody>
-          <a:bodyPr/>
-          <a:lstStyle/>
-          <a:p>
-            <a:r>
-              <a:rPr lang="es-ES_tradnl" dirty="0" err="1" smtClean="0"/>
-              <a:t>Must</a:t>
-            </a:r>
-            <a:r>
-              <a:rPr lang="es-ES_tradnl" dirty="0" smtClean="0"/>
-              <a:t> </a:t>
-            </a:r>
-            <a:r>
-              <a:rPr lang="es-ES_tradnl" dirty="0" err="1" smtClean="0"/>
-              <a:t>read</a:t>
-            </a:r>
-            <a:r>
-              <a:rPr lang="es-ES_tradnl" dirty="0" smtClean="0"/>
-              <a:t> </a:t>
-            </a:r>
-            <a:r>
-              <a:rPr lang="es-ES_tradnl" dirty="0" err="1" smtClean="0"/>
-              <a:t>resources</a:t>
-            </a:r>
-            <a:r>
-              <a:rPr lang="es-ES_tradnl" dirty="0" smtClean="0"/>
-              <a:t>:</a:t>
-            </a:r>
-          </a:p>
-          <a:p>
-            <a:pPr lvl="1"/>
-            <a:r>
-              <a:rPr lang="es-ES_tradnl" dirty="0" smtClean="0"/>
-              <a:t>Martin </a:t>
-            </a:r>
-            <a:r>
-              <a:rPr lang="es-ES_tradnl" dirty="0" err="1" smtClean="0"/>
-              <a:t>Fowler</a:t>
-            </a:r>
-            <a:r>
-              <a:rPr lang="es-ES_tradnl" dirty="0" smtClean="0"/>
-              <a:t> – IEEE Software</a:t>
-            </a:r>
-          </a:p>
-          <a:p>
-            <a:pPr lvl="1"/>
-            <a:r>
-              <a:rPr lang="es-ES_tradnl" dirty="0" err="1" smtClean="0"/>
-              <a:t>Markus</a:t>
-            </a:r>
-            <a:r>
-              <a:rPr lang="es-ES_tradnl" dirty="0" smtClean="0"/>
-              <a:t> </a:t>
-            </a:r>
-            <a:r>
-              <a:rPr lang="es-ES_tradnl" dirty="0" err="1" smtClean="0"/>
-              <a:t>Völter</a:t>
-            </a:r>
-            <a:endParaRPr lang="es-ES_tradnl" dirty="0"/>
-          </a:p>
-        </p:txBody>
-      </p:sp>
-    </p:spTree>
-  </p:cSld>
-  <p:clrMapOvr>
-    <a:masterClrMapping/>
-  </p:clrMapOvr>
-  <p:transition/>
-</p:sld>
-</file>
-
-<file path=ppt/slides/slide58.xml><?xml version="1.0" encoding="utf-8"?>
-<p:sld xmlns:a="http://schemas.openxmlformats.org/drawingml/2006/main" xmlns:r="http://schemas.openxmlformats.org/officeDocument/2006/relationships" xmlns:p="http://schemas.openxmlformats.org/presentationml/2006/main" show="0">
-  <p:cSld>
-    <p:spTree>
-      <p:nvGrpSpPr>
-        <p:cNvPr id="1" name=""/>
-        <p:cNvGrpSpPr/>
-        <p:nvPr/>
-      </p:nvGrpSpPr>
-      <p:grpSpPr>
-        <a:xfrm>
-          <a:off x="0" y="0"/>
-          <a:ext cx="0" cy="0"/>
-          <a:chOff x="0" y="0"/>
-          <a:chExt cx="0" cy="0"/>
-        </a:xfrm>
-      </p:grpSpPr>
-      <p:sp>
-        <p:nvSpPr>
-          <p:cNvPr id="2" name="1 Título"/>
-          <p:cNvSpPr>
-            <a:spLocks noGrp="1"/>
-          </p:cNvSpPr>
-          <p:nvPr>
-            <p:ph type="title"/>
-          </p:nvPr>
-        </p:nvSpPr>
-        <p:spPr/>
-        <p:txBody>
-          <a:bodyPr/>
-          <a:lstStyle/>
-          <a:p>
-            <a:r>
-              <a:rPr lang="es-ES_tradnl" dirty="0" err="1" smtClean="0"/>
-              <a:t>Domain-Specific</a:t>
-            </a:r>
-            <a:r>
-              <a:rPr lang="es-ES_tradnl" dirty="0" smtClean="0"/>
-              <a:t> </a:t>
-            </a:r>
-            <a:r>
-              <a:rPr lang="es-ES_tradnl" dirty="0" err="1" smtClean="0"/>
-              <a:t>Languages</a:t>
-            </a:r>
-            <a:endParaRPr lang="es-ES_tradnl" dirty="0"/>
-          </a:p>
-        </p:txBody>
-      </p:sp>
-      <p:sp>
-        <p:nvSpPr>
-          <p:cNvPr id="3" name="2 Marcador de contenido"/>
-          <p:cNvSpPr>
-            <a:spLocks noGrp="1"/>
-          </p:cNvSpPr>
-          <p:nvPr>
-            <p:ph idx="1"/>
-          </p:nvPr>
-        </p:nvSpPr>
-        <p:spPr/>
-        <p:txBody>
-          <a:bodyPr/>
-          <a:lstStyle/>
-          <a:p>
-            <a:r>
-              <a:rPr lang="es-ES_tradnl" dirty="0" err="1" smtClean="0"/>
-              <a:t>Example</a:t>
-            </a:r>
-            <a:endParaRPr lang="es-ES_tradnl" dirty="0"/>
-          </a:p>
-          <a:p>
-            <a:pPr lvl="1"/>
-            <a:r>
-              <a:rPr lang="es-ES_tradnl" dirty="0" err="1" smtClean="0"/>
-              <a:t>Acceptance</a:t>
-            </a:r>
-            <a:r>
-              <a:rPr lang="es-ES_tradnl" dirty="0" smtClean="0"/>
-              <a:t> </a:t>
-            </a:r>
-            <a:r>
-              <a:rPr lang="es-ES_tradnl" dirty="0" err="1" smtClean="0"/>
-              <a:t>testing</a:t>
-            </a:r>
-            <a:r>
-              <a:rPr lang="es-ES_tradnl" dirty="0" smtClean="0"/>
-              <a:t> </a:t>
-            </a:r>
-            <a:r>
-              <a:rPr lang="es-ES_tradnl" dirty="0" err="1" smtClean="0"/>
-              <a:t>language</a:t>
-            </a:r>
-            <a:endParaRPr lang="es-ES_tradnl" dirty="0" smtClean="0"/>
-          </a:p>
-          <a:p>
-            <a:pPr lvl="1"/>
-            <a:r>
-              <a:rPr lang="es-ES_tradnl" dirty="0" err="1" smtClean="0"/>
-              <a:t>Selenium</a:t>
-            </a:r>
-            <a:r>
-              <a:rPr lang="es-ES_tradnl" dirty="0" smtClean="0"/>
-              <a:t> </a:t>
-            </a:r>
-            <a:r>
-              <a:rPr lang="es-ES_tradnl" dirty="0" err="1" smtClean="0"/>
-              <a:t>to</a:t>
-            </a:r>
-            <a:r>
-              <a:rPr lang="es-ES_tradnl" dirty="0" smtClean="0"/>
-              <a:t> </a:t>
-            </a:r>
-            <a:r>
-              <a:rPr lang="es-ES_tradnl" dirty="0" err="1" smtClean="0"/>
-              <a:t>drivet</a:t>
-            </a:r>
-            <a:r>
-              <a:rPr lang="es-ES_tradnl" dirty="0" smtClean="0"/>
-              <a:t> </a:t>
-            </a:r>
-            <a:r>
-              <a:rPr lang="es-ES_tradnl" dirty="0" err="1" smtClean="0"/>
-              <a:t>the</a:t>
-            </a:r>
-            <a:r>
-              <a:rPr lang="es-ES_tradnl" dirty="0" smtClean="0"/>
-              <a:t> </a:t>
-            </a:r>
-            <a:r>
-              <a:rPr lang="es-ES_tradnl" dirty="0" err="1" smtClean="0"/>
-              <a:t>interaction</a:t>
-            </a:r>
-            <a:r>
-              <a:rPr lang="es-ES_tradnl" dirty="0" smtClean="0"/>
-              <a:t> </a:t>
-            </a:r>
-            <a:r>
-              <a:rPr lang="es-ES_tradnl" dirty="0" err="1" smtClean="0"/>
-              <a:t>with</a:t>
-            </a:r>
-            <a:r>
-              <a:rPr lang="es-ES_tradnl" dirty="0" smtClean="0"/>
-              <a:t> </a:t>
-            </a:r>
-            <a:r>
-              <a:rPr lang="es-ES_tradnl" dirty="0" err="1" smtClean="0"/>
-              <a:t>the</a:t>
-            </a:r>
-            <a:r>
-              <a:rPr lang="es-ES_tradnl" dirty="0" smtClean="0"/>
-              <a:t> browser</a:t>
-            </a:r>
-          </a:p>
-          <a:p>
-            <a:pPr lvl="1"/>
-            <a:r>
-              <a:rPr lang="es-ES_tradnl" dirty="0" smtClean="0"/>
-              <a:t> </a:t>
-            </a:r>
-            <a:endParaRPr lang="es-ES_tradnl" dirty="0"/>
-          </a:p>
-        </p:txBody>
-      </p:sp>
-    </p:spTree>
-  </p:cSld>
-  <p:clrMapOvr>
-    <a:masterClrMapping/>
-  </p:clrMapOvr>
-  <p:transition/>
-</p:sld>
-</file>
-
-<file path=ppt/slides/slide59.xml><?xml version="1.0" encoding="utf-8"?>
-<p:sld xmlns:a="http://schemas.openxmlformats.org/drawingml/2006/main" xmlns:r="http://schemas.openxmlformats.org/officeDocument/2006/relationships" xmlns:p="http://schemas.openxmlformats.org/presentationml/2006/main" show="0">
-  <p:cSld>
-    <p:spTree>
-      <p:nvGrpSpPr>
-        <p:cNvPr id="1" name=""/>
-        <p:cNvGrpSpPr/>
-        <p:nvPr/>
-      </p:nvGrpSpPr>
-      <p:grpSpPr>
-        <a:xfrm>
-          <a:off x="0" y="0"/>
-          <a:ext cx="0" cy="0"/>
-          <a:chOff x="0" y="0"/>
-          <a:chExt cx="0" cy="0"/>
-        </a:xfrm>
-      </p:grpSpPr>
-      <p:sp>
-        <p:nvSpPr>
-          <p:cNvPr id="2" name="1 Título"/>
-          <p:cNvSpPr>
-            <a:spLocks noGrp="1"/>
-          </p:cNvSpPr>
-          <p:nvPr>
-            <p:ph type="title"/>
-          </p:nvPr>
-        </p:nvSpPr>
-        <p:spPr/>
-        <p:txBody>
-          <a:bodyPr/>
-          <a:lstStyle/>
-          <a:p>
-            <a:r>
-              <a:rPr lang="es-ES_tradnl" dirty="0" err="1" smtClean="0"/>
-              <a:t>Examples</a:t>
-            </a:r>
-            <a:endParaRPr lang="es-ES_tradnl" dirty="0"/>
-          </a:p>
-        </p:txBody>
-      </p:sp>
-      <p:sp>
-        <p:nvSpPr>
-          <p:cNvPr id="3" name="2 Marcador de contenido"/>
-          <p:cNvSpPr>
-            <a:spLocks noGrp="1"/>
-          </p:cNvSpPr>
-          <p:nvPr>
-            <p:ph idx="1"/>
-          </p:nvPr>
-        </p:nvSpPr>
-        <p:spPr/>
-        <p:txBody>
-          <a:bodyPr/>
-          <a:lstStyle/>
-          <a:p>
-            <a:r>
-              <a:rPr lang="es-ES_tradnl" dirty="0" err="1" smtClean="0"/>
-              <a:t>Surveys</a:t>
-            </a:r>
-            <a:endParaRPr lang="es-ES_tradnl" dirty="0" smtClean="0"/>
-          </a:p>
-          <a:p>
-            <a:pPr lvl="1"/>
-            <a:r>
-              <a:rPr lang="es-ES_tradnl" dirty="0" smtClean="0"/>
-              <a:t>https://ilyabylich.svbtle.com/what-is-ruby-dsl</a:t>
-            </a:r>
-            <a:endParaRPr lang="es-ES_tradnl" dirty="0"/>
-          </a:p>
-        </p:txBody>
-      </p:sp>
-    </p:spTree>
-  </p:cSld>
-  <p:clrMapOvr>
-    <a:masterClrMapping/>
-  </p:clrMapOvr>
-  <p:transition/>
-</p:sld>
-</file>
-
 <file path=ppt/slides/slide6.xml><?xml version="1.0" encoding="utf-8"?>
 <p:sld xmlns:a="http://schemas.openxmlformats.org/drawingml/2006/main" xmlns:r="http://schemas.openxmlformats.org/officeDocument/2006/relationships" xmlns:p="http://schemas.openxmlformats.org/presentationml/2006/main">
   <p:cSld>
@@ -24493,86 +23651,6 @@
 </p:sld>
 </file>
 
-<file path=ppt/slides/slide60.xml><?xml version="1.0" encoding="utf-8"?>
-<p:sld xmlns:a="http://schemas.openxmlformats.org/drawingml/2006/main" xmlns:r="http://schemas.openxmlformats.org/officeDocument/2006/relationships" xmlns:p="http://schemas.openxmlformats.org/presentationml/2006/main" show="0">
-  <p:cSld>
-    <p:spTree>
-      <p:nvGrpSpPr>
-        <p:cNvPr id="1" name=""/>
-        <p:cNvGrpSpPr/>
-        <p:nvPr/>
-      </p:nvGrpSpPr>
-      <p:grpSpPr>
-        <a:xfrm>
-          <a:off x="0" y="0"/>
-          <a:ext cx="0" cy="0"/>
-          <a:chOff x="0" y="0"/>
-          <a:chExt cx="0" cy="0"/>
-        </a:xfrm>
-      </p:grpSpPr>
-      <p:sp>
-        <p:nvSpPr>
-          <p:cNvPr id="2" name="1 Título"/>
-          <p:cNvSpPr>
-            <a:spLocks noGrp="1"/>
-          </p:cNvSpPr>
-          <p:nvPr>
-            <p:ph type="title"/>
-          </p:nvPr>
-        </p:nvSpPr>
-        <p:spPr/>
-        <p:txBody>
-          <a:bodyPr/>
-          <a:lstStyle/>
-          <a:p>
-            <a:r>
-              <a:rPr lang="es-ES_tradnl" dirty="0" err="1" smtClean="0"/>
-              <a:t>Modern</a:t>
-            </a:r>
-            <a:r>
-              <a:rPr lang="es-ES_tradnl" dirty="0" smtClean="0"/>
-              <a:t> </a:t>
-            </a:r>
-            <a:r>
-              <a:rPr lang="es-ES_tradnl" dirty="0" err="1" smtClean="0"/>
-              <a:t>compilers</a:t>
-            </a:r>
-            <a:endParaRPr lang="es-ES_tradnl" dirty="0"/>
-          </a:p>
-        </p:txBody>
-      </p:sp>
-      <p:sp>
-        <p:nvSpPr>
-          <p:cNvPr id="3" name="2 Marcador de contenido"/>
-          <p:cNvSpPr>
-            <a:spLocks noGrp="1"/>
-          </p:cNvSpPr>
-          <p:nvPr>
-            <p:ph idx="1"/>
-          </p:nvPr>
-        </p:nvSpPr>
-        <p:spPr/>
-        <p:txBody>
-          <a:bodyPr/>
-          <a:lstStyle/>
-          <a:p>
-            <a:r>
-              <a:rPr lang="es-ES_tradnl" dirty="0" smtClean="0"/>
-              <a:t>https://channel9.msdn.com/Blogs/Seth-Juarez/Anders-Hejlsberg-on-Modern-Compiler-Construction</a:t>
-            </a:r>
-            <a:endParaRPr lang="es-ES_tradnl" dirty="0"/>
-          </a:p>
-        </p:txBody>
-      </p:sp>
-    </p:spTree>
-  </p:cSld>
-  <p:clrMapOvr>
-    <a:masterClrMapping/>
-  </p:clrMapOvr>
-  <p:transition/>
-</p:sld>
-</file>
-
 <file path=ppt/slides/slide7.xml><?xml version="1.0" encoding="utf-8"?>
 <p:sld xmlns:a="http://schemas.openxmlformats.org/drawingml/2006/main" xmlns:r="http://schemas.openxmlformats.org/officeDocument/2006/relationships" xmlns:p="http://schemas.openxmlformats.org/presentationml/2006/main">
   <p:cSld>
@@ -24769,12 +23847,6 @@
               </a:rPr>
               <a:t>‘Hellín’</a:t>
             </a:r>
-            <a:endParaRPr lang="es-ES_tradnl" sz="2400" dirty="0" smtClean="0">
-              <a:solidFill>
-                <a:srgbClr val="0070C0"/>
-              </a:solidFill>
-              <a:latin typeface="Consolas" pitchFamily="49" charset="0"/>
-            </a:endParaRPr>
           </a:p>
         </p:txBody>
       </p:sp>
